--- a/slides/instruction/introduction.pptx
+++ b/slides/instruction/introduction.pptx
@@ -5,10 +5,10 @@
     <p:sldMasterId id="2147483680" r:id="rId4"/>
   </p:sldMasterIdLst>
   <p:notesMasterIdLst>
-    <p:notesMasterId r:id="rId19"/>
+    <p:notesMasterId r:id="rId18"/>
   </p:notesMasterIdLst>
   <p:handoutMasterIdLst>
-    <p:handoutMasterId r:id="rId20"/>
+    <p:handoutMasterId r:id="rId19"/>
   </p:handoutMasterIdLst>
   <p:sldIdLst>
     <p:sldId id="256" r:id="rId5"/>
@@ -18,13 +18,12 @@
     <p:sldId id="282" r:id="rId9"/>
     <p:sldId id="261" r:id="rId10"/>
     <p:sldId id="283" r:id="rId11"/>
-    <p:sldId id="284" r:id="rId12"/>
-    <p:sldId id="274" r:id="rId13"/>
-    <p:sldId id="266" r:id="rId14"/>
-    <p:sldId id="267" r:id="rId15"/>
-    <p:sldId id="278" r:id="rId16"/>
-    <p:sldId id="275" r:id="rId17"/>
-    <p:sldId id="272" r:id="rId18"/>
+    <p:sldId id="274" r:id="rId12"/>
+    <p:sldId id="266" r:id="rId13"/>
+    <p:sldId id="267" r:id="rId14"/>
+    <p:sldId id="278" r:id="rId15"/>
+    <p:sldId id="275" r:id="rId16"/>
+    <p:sldId id="272" r:id="rId17"/>
   </p:sldIdLst>
   <p:sldSz cx="12192000" cy="6858000"/>
   <p:notesSz cx="7023100" cy="9309100"/>
@@ -278,6 +277,21 @@
               </c:ext>
             </c:extLst>
           </c:dPt>
+          <c:dPt>
+            <c:idx val="3"/>
+            <c:bubble3D val="0"/>
+            <c:spPr>
+              <a:solidFill>
+                <a:schemeClr val="accent4"/>
+              </a:solidFill>
+              <a:ln w="19050">
+                <a:solidFill>
+                  <a:schemeClr val="lt1"/>
+                </a:solidFill>
+              </a:ln>
+              <a:effectLst/>
+            </c:spPr>
+          </c:dPt>
           <c:dLbls>
             <c:spPr>
               <a:noFill/>
@@ -335,9 +349,9 @@
           </c:dLbls>
           <c:cat>
             <c:strRef>
-              <c:f>Sheet1!$A$2:$A$4</c:f>
+              <c:f>Sheet1!$A$2:$A$5</c:f>
               <c:strCache>
-                <c:ptCount val="3"/>
+                <c:ptCount val="4"/>
                 <c:pt idx="0">
                   <c:v>Attendancy</c:v>
                 </c:pt>
@@ -347,23 +361,29 @@
                 <c:pt idx="2">
                   <c:v>Final exam</c:v>
                 </c:pt>
+                <c:pt idx="3">
+                  <c:v>Homework</c:v>
+                </c:pt>
               </c:strCache>
             </c:strRef>
           </c:cat>
           <c:val>
             <c:numRef>
-              <c:f>Sheet1!$B$2:$B$4</c:f>
+              <c:f>Sheet1!$B$2:$B$5</c:f>
               <c:numCache>
                 <c:formatCode>General</c:formatCode>
-                <c:ptCount val="3"/>
+                <c:ptCount val="4"/>
                 <c:pt idx="0">
                   <c:v>10</c:v>
                 </c:pt>
                 <c:pt idx="1">
-                  <c:v>30</c:v>
+                  <c:v>20</c:v>
                 </c:pt>
                 <c:pt idx="2">
                   <c:v>60</c:v>
+                </c:pt>
+                <c:pt idx="3">
+                  <c:v>10</c:v>
                 </c:pt>
               </c:numCache>
             </c:numRef>
@@ -10712,7 +10732,7 @@
           <a:p>
             <a:fld id="{E574AC39-44E6-425E-AF49-CF7D189F346F}" type="datetimeFigureOut">
               <a:rPr lang="en-US" smtClean="0"/>
-              <a:t>9/9/2022</a:t>
+              <a:t>10/6/2022</a:t>
             </a:fld>
             <a:endParaRPr lang="en-US"/>
           </a:p>
@@ -10877,7 +10897,7 @@
           <a:p>
             <a:fld id="{DF2775BC-6312-42C7-B7C5-EA6783C2D9CA}" type="datetimeFigureOut">
               <a:rPr lang="en-US" smtClean="0"/>
-              <a:t>9/9/2022</a:t>
+              <a:t>10/6/2022</a:t>
             </a:fld>
             <a:endParaRPr lang="en-US"/>
           </a:p>
@@ -11484,7 +11504,7 @@
           <a:p>
             <a:fld id="{67F715A1-4ADC-44E0-9587-804FF39D6B22}" type="slidenum">
               <a:rPr lang="en-US" smtClean="0"/>
-              <a:t>11</a:t>
+              <a:t>10</a:t>
             </a:fld>
             <a:endParaRPr lang="en-US"/>
           </a:p>
@@ -11572,7 +11592,7 @@
           <a:p>
             <a:fld id="{67F715A1-4ADC-44E0-9587-804FF39D6B22}" type="slidenum">
               <a:rPr lang="en-US" smtClean="0"/>
-              <a:t>14</a:t>
+              <a:t>13</a:t>
             </a:fld>
             <a:endParaRPr lang="en-US"/>
           </a:p>
@@ -11777,7 +11797,7 @@
           <a:p>
             <a:fld id="{40FF0622-75E4-48B8-A617-5428CA5926CE}" type="datetimeFigureOut">
               <a:rPr lang="en-US" smtClean="0"/>
-              <a:t>9/9/2022</a:t>
+              <a:t>10/6/2022</a:t>
             </a:fld>
             <a:endParaRPr lang="en-US"/>
           </a:p>
@@ -12050,7 +12070,7 @@
           <a:p>
             <a:fld id="{40FF0622-75E4-48B8-A617-5428CA5926CE}" type="datetimeFigureOut">
               <a:rPr lang="en-US" smtClean="0"/>
-              <a:t>9/9/2022</a:t>
+              <a:t>10/6/2022</a:t>
             </a:fld>
             <a:endParaRPr lang="en-US"/>
           </a:p>
@@ -12176,7 +12196,7 @@
           <a:p>
             <a:fld id="{40FF0622-75E4-48B8-A617-5428CA5926CE}" type="datetimeFigureOut">
               <a:rPr lang="en-US" smtClean="0"/>
-              <a:t>9/9/2022</a:t>
+              <a:t>10/6/2022</a:t>
             </a:fld>
             <a:endParaRPr lang="en-US"/>
           </a:p>
@@ -12370,7 +12390,7 @@
           <a:p>
             <a:fld id="{40FF0622-75E4-48B8-A617-5428CA5926CE}" type="datetimeFigureOut">
               <a:rPr lang="en-US" smtClean="0"/>
-              <a:t>9/9/2022</a:t>
+              <a:t>10/6/2022</a:t>
             </a:fld>
             <a:endParaRPr lang="en-US"/>
           </a:p>
@@ -12843,7 +12863,7 @@
           <a:p>
             <a:fld id="{40FF0622-75E4-48B8-A617-5428CA5926CE}" type="datetimeFigureOut">
               <a:rPr lang="en-US" smtClean="0"/>
-              <a:t>9/9/2022</a:t>
+              <a:t>10/6/2022</a:t>
             </a:fld>
             <a:endParaRPr lang="en-US"/>
           </a:p>
@@ -12969,7 +12989,7 @@
           <a:p>
             <a:fld id="{40FF0622-75E4-48B8-A617-5428CA5926CE}" type="datetimeFigureOut">
               <a:rPr lang="en-US" smtClean="0"/>
-              <a:t>9/9/2022</a:t>
+              <a:t>10/6/2022</a:t>
             </a:fld>
             <a:endParaRPr lang="en-US"/>
           </a:p>
@@ -13257,7 +13277,7 @@
           <a:p>
             <a:fld id="{40FF0622-75E4-48B8-A617-5428CA5926CE}" type="datetimeFigureOut">
               <a:rPr lang="en-US" smtClean="0"/>
-              <a:t>9/9/2022</a:t>
+              <a:t>10/6/2022</a:t>
             </a:fld>
             <a:endParaRPr lang="en-US"/>
           </a:p>
@@ -14008,7 +14028,7 @@
           <a:p>
             <a:fld id="{40FF0622-75E4-48B8-A617-5428CA5926CE}" type="datetimeFigureOut">
               <a:rPr lang="en-US" smtClean="0"/>
-              <a:t>9/9/2022</a:t>
+              <a:t>10/6/2022</a:t>
             </a:fld>
             <a:endParaRPr lang="en-US"/>
           </a:p>
@@ -14852,7 +14872,7 @@
           <a:p>
             <a:fld id="{40FF0622-75E4-48B8-A617-5428CA5926CE}" type="datetimeFigureOut">
               <a:rPr lang="en-US" smtClean="0"/>
-              <a:t>9/9/2022</a:t>
+              <a:t>10/6/2022</a:t>
             </a:fld>
             <a:endParaRPr lang="en-US"/>
           </a:p>
@@ -15020,7 +15040,7 @@
           <a:p>
             <a:fld id="{40FF0622-75E4-48B8-A617-5428CA5926CE}" type="datetimeFigureOut">
               <a:rPr lang="en-US" smtClean="0"/>
-              <a:t>9/9/2022</a:t>
+              <a:t>10/6/2022</a:t>
             </a:fld>
             <a:endParaRPr lang="en-US"/>
           </a:p>
@@ -15198,7 +15218,7 @@
           <a:p>
             <a:fld id="{40FF0622-75E4-48B8-A617-5428CA5926CE}" type="datetimeFigureOut">
               <a:rPr lang="en-US" smtClean="0"/>
-              <a:t>9/9/2022</a:t>
+              <a:t>10/6/2022</a:t>
             </a:fld>
             <a:endParaRPr lang="en-US"/>
           </a:p>
@@ -15367,7 +15387,7 @@
           <a:p>
             <a:fld id="{40FF0622-75E4-48B8-A617-5428CA5926CE}" type="datetimeFigureOut">
               <a:rPr lang="en-US" smtClean="0"/>
-              <a:t>9/9/2022</a:t>
+              <a:t>10/6/2022</a:t>
             </a:fld>
             <a:endParaRPr lang="en-US"/>
           </a:p>
@@ -15611,7 +15631,7 @@
           <a:p>
             <a:fld id="{40FF0622-75E4-48B8-A617-5428CA5926CE}" type="datetimeFigureOut">
               <a:rPr lang="en-US" smtClean="0"/>
-              <a:t>9/9/2022</a:t>
+              <a:t>10/6/2022</a:t>
             </a:fld>
             <a:endParaRPr lang="en-US"/>
           </a:p>
@@ -15900,7 +15920,7 @@
           <a:p>
             <a:fld id="{40FF0622-75E4-48B8-A617-5428CA5926CE}" type="datetimeFigureOut">
               <a:rPr lang="en-US" smtClean="0"/>
-              <a:t>9/9/2022</a:t>
+              <a:t>10/6/2022</a:t>
             </a:fld>
             <a:endParaRPr lang="en-US"/>
           </a:p>
@@ -16335,7 +16355,7 @@
           <a:p>
             <a:fld id="{40FF0622-75E4-48B8-A617-5428CA5926CE}" type="datetimeFigureOut">
               <a:rPr lang="en-US" smtClean="0"/>
-              <a:t>9/9/2022</a:t>
+              <a:t>10/6/2022</a:t>
             </a:fld>
             <a:endParaRPr lang="en-US"/>
           </a:p>
@@ -16452,7 +16472,7 @@
           <a:p>
             <a:fld id="{40FF0622-75E4-48B8-A617-5428CA5926CE}" type="datetimeFigureOut">
               <a:rPr lang="en-US" smtClean="0"/>
-              <a:t>9/9/2022</a:t>
+              <a:t>10/6/2022</a:t>
             </a:fld>
             <a:endParaRPr lang="en-US"/>
           </a:p>
@@ -16547,7 +16567,7 @@
           <a:p>
             <a:fld id="{40FF0622-75E4-48B8-A617-5428CA5926CE}" type="datetimeFigureOut">
               <a:rPr lang="en-US" smtClean="0"/>
-              <a:t>9/9/2022</a:t>
+              <a:t>10/6/2022</a:t>
             </a:fld>
             <a:endParaRPr lang="en-US"/>
           </a:p>
@@ -16825,7 +16845,7 @@
           <a:p>
             <a:fld id="{40FF0622-75E4-48B8-A617-5428CA5926CE}" type="datetimeFigureOut">
               <a:rPr lang="en-US" smtClean="0"/>
-              <a:t>9/9/2022</a:t>
+              <a:t>10/6/2022</a:t>
             </a:fld>
             <a:endParaRPr lang="en-US"/>
           </a:p>
@@ -17099,7 +17119,7 @@
           <a:p>
             <a:fld id="{40FF0622-75E4-48B8-A617-5428CA5926CE}" type="datetimeFigureOut">
               <a:rPr lang="en-US" smtClean="0"/>
-              <a:t>9/9/2022</a:t>
+              <a:t>10/6/2022</a:t>
             </a:fld>
             <a:endParaRPr lang="en-US"/>
           </a:p>
@@ -17733,7 +17753,7 @@
           <a:p>
             <a:fld id="{40FF0622-75E4-48B8-A617-5428CA5926CE}" type="datetimeFigureOut">
               <a:rPr lang="en-US" smtClean="0"/>
-              <a:t>9/9/2022</a:t>
+              <a:t>10/6/2022</a:t>
             </a:fld>
             <a:endParaRPr lang="en-US"/>
           </a:p>
@@ -18449,139 +18469,6 @@
 </file>
 
 <file path=ppt/slides/slide10.xml><?xml version="1.0" encoding="utf-8"?>
-<p:sld xmlns:a="http://schemas.openxmlformats.org/drawingml/2006/main" xmlns:r="http://schemas.openxmlformats.org/officeDocument/2006/relationships" xmlns:p="http://schemas.openxmlformats.org/presentationml/2006/main">
-  <p:cSld>
-    <p:spTree>
-      <p:nvGrpSpPr>
-        <p:cNvPr id="1" name=""/>
-        <p:cNvGrpSpPr/>
-        <p:nvPr/>
-      </p:nvGrpSpPr>
-      <p:grpSpPr>
-        <a:xfrm>
-          <a:off x="0" y="0"/>
-          <a:ext cx="0" cy="0"/>
-          <a:chOff x="0" y="0"/>
-          <a:chExt cx="0" cy="0"/>
-        </a:xfrm>
-      </p:grpSpPr>
-      <p:sp>
-        <p:nvSpPr>
-          <p:cNvPr id="2" name="Title 1"/>
-          <p:cNvSpPr>
-            <a:spLocks noGrp="1"/>
-          </p:cNvSpPr>
-          <p:nvPr>
-            <p:ph type="title"/>
-          </p:nvPr>
-        </p:nvSpPr>
-        <p:spPr/>
-        <p:txBody>
-          <a:bodyPr/>
-          <a:lstStyle/>
-          <a:p>
-            <a:r>
-              <a:rPr lang="en-US" dirty="0"/>
-              <a:t>Instructional Methods</a:t>
-            </a:r>
-          </a:p>
-        </p:txBody>
-      </p:sp>
-      <p:sp>
-        <p:nvSpPr>
-          <p:cNvPr id="3" name="Content Placeholder 2"/>
-          <p:cNvSpPr>
-            <a:spLocks noGrp="1"/>
-          </p:cNvSpPr>
-          <p:nvPr>
-            <p:ph idx="1"/>
-          </p:nvPr>
-        </p:nvSpPr>
-        <p:spPr/>
-        <p:txBody>
-          <a:bodyPr/>
-          <a:lstStyle/>
-          <a:p>
-            <a:pPr marL="0" indent="0">
-              <a:buNone/>
-            </a:pPr>
-            <a:r>
-              <a:rPr lang="en-US" altLang="zh-CN" dirty="0"/>
-              <a:t>Coding, coding, n coding, …</a:t>
-            </a:r>
-            <a:endParaRPr lang="en-US" dirty="0"/>
-          </a:p>
-          <a:p>
-            <a:pPr lvl="1"/>
-            <a:r>
-              <a:rPr lang="en-US" dirty="0"/>
-              <a:t>Lectures</a:t>
-            </a:r>
-          </a:p>
-          <a:p>
-            <a:pPr lvl="1"/>
-            <a:r>
-              <a:rPr lang="en-US" altLang="zh-CN" dirty="0"/>
-              <a:t>Online interaction: </a:t>
-            </a:r>
-            <a:r>
-              <a:rPr lang="en-US" altLang="zh-CN" dirty="0" err="1"/>
-              <a:t>github</a:t>
-            </a:r>
-            <a:r>
-              <a:rPr lang="en-US" altLang="zh-CN" dirty="0"/>
-              <a:t> n </a:t>
-            </a:r>
-            <a:r>
-              <a:rPr lang="en-US" altLang="zh-CN" dirty="0" err="1"/>
-              <a:t>gitee</a:t>
-            </a:r>
-            <a:endParaRPr lang="en-US" dirty="0"/>
-          </a:p>
-          <a:p>
-            <a:pPr lvl="1"/>
-            <a:r>
-              <a:rPr lang="en-US" dirty="0"/>
-              <a:t>Demonstrations</a:t>
-            </a:r>
-          </a:p>
-          <a:p>
-            <a:pPr lvl="1"/>
-            <a:r>
-              <a:rPr lang="en-US" dirty="0"/>
-              <a:t>Class discussion/Virtual discussions</a:t>
-            </a:r>
-          </a:p>
-          <a:p>
-            <a:pPr lvl="1"/>
-            <a:r>
-              <a:rPr lang="en-US" dirty="0"/>
-              <a:t>Individual / group projects</a:t>
-            </a:r>
-          </a:p>
-          <a:p>
-            <a:pPr lvl="1"/>
-            <a:r>
-              <a:rPr lang="en-US" dirty="0"/>
-              <a:t>Labs</a:t>
-            </a:r>
-          </a:p>
-        </p:txBody>
-      </p:sp>
-    </p:spTree>
-    <p:extLst>
-      <p:ext uri="{BB962C8B-B14F-4D97-AF65-F5344CB8AC3E}">
-        <p14:creationId xmlns:p14="http://schemas.microsoft.com/office/powerpoint/2010/main" val="423809124"/>
-      </p:ext>
-    </p:extLst>
-  </p:cSld>
-  <p:clrMapOvr>
-    <a:masterClrMapping/>
-  </p:clrMapOvr>
-</p:sld>
-</file>
-
-<file path=ppt/slides/slide11.xml><?xml version="1.0" encoding="utf-8"?>
 <p:sld xmlns:a="http://schemas.openxmlformats.org/drawingml/2006/main" xmlns:r="http://schemas.openxmlformats.org/officeDocument/2006/relationships" xmlns:p="http://schemas.openxmlformats.org/presentationml/2006/main">
   <p:cSld>
     <p:spTree>
@@ -20577,7 +20464,7 @@
             </a:pPr>
             <a:fld id="{F32019EC-443F-4288-9251-0F05AE561AAD}" type="slidenum">
               <a:rPr lang="zh-CN" altLang="en-US"/>
-              <a:t>11</a:t>
+              <a:t>10</a:t>
             </a:fld>
             <a:endParaRPr lang="en-US" altLang="zh-CN" dirty="0"/>
           </a:p>
@@ -20587,6 +20474,164 @@
     <p:extLst>
       <p:ext uri="{BB962C8B-B14F-4D97-AF65-F5344CB8AC3E}">
         <p14:creationId xmlns:p14="http://schemas.microsoft.com/office/powerpoint/2010/main" val="2710783730"/>
+      </p:ext>
+    </p:extLst>
+  </p:cSld>
+  <p:clrMapOvr>
+    <a:masterClrMapping/>
+  </p:clrMapOvr>
+</p:sld>
+</file>
+
+<file path=ppt/slides/slide11.xml><?xml version="1.0" encoding="utf-8"?>
+<p:sld xmlns:a="http://schemas.openxmlformats.org/drawingml/2006/main" xmlns:r="http://schemas.openxmlformats.org/officeDocument/2006/relationships" xmlns:p="http://schemas.openxmlformats.org/presentationml/2006/main">
+  <p:cSld>
+    <p:spTree>
+      <p:nvGrpSpPr>
+        <p:cNvPr id="1" name=""/>
+        <p:cNvGrpSpPr/>
+        <p:nvPr/>
+      </p:nvGrpSpPr>
+      <p:grpSpPr>
+        <a:xfrm>
+          <a:off x="0" y="0"/>
+          <a:ext cx="0" cy="0"/>
+          <a:chOff x="0" y="0"/>
+          <a:chExt cx="0" cy="0"/>
+        </a:xfrm>
+      </p:grpSpPr>
+      <p:sp>
+        <p:nvSpPr>
+          <p:cNvPr id="2" name="Title 1"/>
+          <p:cNvSpPr>
+            <a:spLocks noGrp="1"/>
+          </p:cNvSpPr>
+          <p:nvPr>
+            <p:ph type="title"/>
+          </p:nvPr>
+        </p:nvSpPr>
+        <p:spPr/>
+        <p:txBody>
+          <a:bodyPr/>
+          <a:lstStyle/>
+          <a:p>
+            <a:r>
+              <a:rPr lang="en-US" dirty="0"/>
+              <a:t>Assessment Criteria</a:t>
+            </a:r>
+          </a:p>
+        </p:txBody>
+      </p:sp>
+      <p:sp>
+        <p:nvSpPr>
+          <p:cNvPr id="3" name="Content Placeholder 2"/>
+          <p:cNvSpPr>
+            <a:spLocks noGrp="1"/>
+          </p:cNvSpPr>
+          <p:nvPr>
+            <p:ph sz="half" idx="1"/>
+          </p:nvPr>
+        </p:nvSpPr>
+        <p:spPr>
+          <a:xfrm>
+            <a:off x="1103312" y="2060575"/>
+            <a:ext cx="7694522" cy="4195763"/>
+          </a:xfrm>
+        </p:spPr>
+        <p:txBody>
+          <a:bodyPr/>
+          <a:lstStyle/>
+          <a:p>
+            <a:r>
+              <a:rPr lang="en-US" dirty="0"/>
+              <a:t>Attendance and interaction 10%</a:t>
+            </a:r>
+          </a:p>
+          <a:p>
+            <a:pPr lvl="1"/>
+            <a:r>
+              <a:rPr lang="en-US" dirty="0"/>
+              <a:t>git pull request</a:t>
+            </a:r>
+            <a:r>
+              <a:rPr lang="en-US" altLang="zh-CN" dirty="0"/>
+              <a:t> , deadline: week 10</a:t>
+            </a:r>
+            <a:endParaRPr lang="en-US" dirty="0"/>
+          </a:p>
+          <a:p>
+            <a:pPr lvl="1"/>
+            <a:r>
+              <a:rPr lang="en-US" dirty="0"/>
+              <a:t>https://blog.csdn.net/weixin_39744316/article/details/111378386</a:t>
+            </a:r>
+          </a:p>
+          <a:p>
+            <a:r>
+              <a:rPr lang="en-US" dirty="0"/>
+              <a:t>Labs 20%</a:t>
+            </a:r>
+          </a:p>
+          <a:p>
+            <a:pPr lvl="1"/>
+            <a:r>
+              <a:rPr lang="en-US" dirty="0"/>
+              <a:t>Hand-in: lab report, deadline: week 11</a:t>
+            </a:r>
+          </a:p>
+          <a:p>
+            <a:r>
+              <a:rPr lang="en-US" dirty="0"/>
+              <a:t>Homework 10%</a:t>
+            </a:r>
+          </a:p>
+          <a:p>
+            <a:pPr lvl="1"/>
+            <a:r>
+              <a:rPr lang="en-US" dirty="0"/>
+              <a:t>git pull request , deadline: week 10</a:t>
+            </a:r>
+          </a:p>
+          <a:p>
+            <a:r>
+              <a:rPr lang="en-US" dirty="0"/>
+              <a:t>Final Exam 60%</a:t>
+            </a:r>
+          </a:p>
+          <a:p>
+            <a:endParaRPr lang="en-US" dirty="0"/>
+          </a:p>
+        </p:txBody>
+      </p:sp>
+      <p:graphicFrame>
+        <p:nvGraphicFramePr>
+          <p:cNvPr id="9" name="Content Placeholder 8"/>
+          <p:cNvGraphicFramePr>
+            <a:graphicFrameLocks noGrp="1"/>
+          </p:cNvGraphicFramePr>
+          <p:nvPr>
+            <p:ph sz="half" idx="2"/>
+            <p:extLst>
+              <p:ext uri="{D42A27DB-BD31-4B8C-83A1-F6EECF244321}">
+                <p14:modId xmlns:p14="http://schemas.microsoft.com/office/powerpoint/2010/main" val="3426501565"/>
+              </p:ext>
+            </p:extLst>
+          </p:nvPr>
+        </p:nvGraphicFramePr>
+        <p:xfrm>
+          <a:off x="7852940" y="2460761"/>
+          <a:ext cx="4395788" cy="4200525"/>
+        </p:xfrm>
+        <a:graphic>
+          <a:graphicData uri="http://schemas.openxmlformats.org/drawingml/2006/chart">
+            <c:chart xmlns:c="http://schemas.openxmlformats.org/drawingml/2006/chart" xmlns:r="http://schemas.openxmlformats.org/officeDocument/2006/relationships" r:id="rId2"/>
+          </a:graphicData>
+        </a:graphic>
+      </p:graphicFrame>
+    </p:spTree>
+    <p:extLst>
+      <p:ext uri="{BB962C8B-B14F-4D97-AF65-F5344CB8AC3E}">
+        <p14:creationId xmlns:p14="http://schemas.microsoft.com/office/powerpoint/2010/main" val="11674896"/>
       </p:ext>
     </p:extLst>
   </p:cSld>
@@ -20630,120 +20675,6 @@
           <a:p>
             <a:r>
               <a:rPr lang="en-US" dirty="0"/>
-              <a:t>Assessment Criteria</a:t>
-            </a:r>
-          </a:p>
-        </p:txBody>
-      </p:sp>
-      <p:sp>
-        <p:nvSpPr>
-          <p:cNvPr id="3" name="Content Placeholder 2"/>
-          <p:cNvSpPr>
-            <a:spLocks noGrp="1"/>
-          </p:cNvSpPr>
-          <p:nvPr>
-            <p:ph sz="half" idx="1"/>
-          </p:nvPr>
-        </p:nvSpPr>
-        <p:spPr/>
-        <p:txBody>
-          <a:bodyPr/>
-          <a:lstStyle/>
-          <a:p>
-            <a:r>
-              <a:rPr lang="en-US" dirty="0"/>
-              <a:t>Attendance and interaction 10%</a:t>
-            </a:r>
-          </a:p>
-          <a:p>
-            <a:r>
-              <a:rPr lang="en-US" dirty="0"/>
-              <a:t>Labs 30%</a:t>
-            </a:r>
-          </a:p>
-          <a:p>
-            <a:r>
-              <a:rPr lang="en-US" dirty="0"/>
-              <a:t>Final Exam 60%</a:t>
-            </a:r>
-          </a:p>
-          <a:p>
-            <a:endParaRPr lang="en-US" dirty="0"/>
-          </a:p>
-        </p:txBody>
-      </p:sp>
-      <p:graphicFrame>
-        <p:nvGraphicFramePr>
-          <p:cNvPr id="9" name="Content Placeholder 8"/>
-          <p:cNvGraphicFramePr>
-            <a:graphicFrameLocks noGrp="1"/>
-          </p:cNvGraphicFramePr>
-          <p:nvPr>
-            <p:ph sz="half" idx="2"/>
-            <p:extLst>
-              <p:ext uri="{D42A27DB-BD31-4B8C-83A1-F6EECF244321}">
-                <p14:modId xmlns:p14="http://schemas.microsoft.com/office/powerpoint/2010/main" val="1907740303"/>
-              </p:ext>
-            </p:extLst>
-          </p:nvPr>
-        </p:nvGraphicFramePr>
-        <p:xfrm>
-          <a:off x="5654675" y="2055813"/>
-          <a:ext cx="4395788" cy="4200525"/>
-        </p:xfrm>
-        <a:graphic>
-          <a:graphicData uri="http://schemas.openxmlformats.org/drawingml/2006/chart">
-            <c:chart xmlns:c="http://schemas.openxmlformats.org/drawingml/2006/chart" xmlns:r="http://schemas.openxmlformats.org/officeDocument/2006/relationships" r:id="rId2"/>
-          </a:graphicData>
-        </a:graphic>
-      </p:graphicFrame>
-    </p:spTree>
-    <p:extLst>
-      <p:ext uri="{BB962C8B-B14F-4D97-AF65-F5344CB8AC3E}">
-        <p14:creationId xmlns:p14="http://schemas.microsoft.com/office/powerpoint/2010/main" val="11674896"/>
-      </p:ext>
-    </p:extLst>
-  </p:cSld>
-  <p:clrMapOvr>
-    <a:masterClrMapping/>
-  </p:clrMapOvr>
-</p:sld>
-</file>
-
-<file path=ppt/slides/slide13.xml><?xml version="1.0" encoding="utf-8"?>
-<p:sld xmlns:a="http://schemas.openxmlformats.org/drawingml/2006/main" xmlns:r="http://schemas.openxmlformats.org/officeDocument/2006/relationships" xmlns:p="http://schemas.openxmlformats.org/presentationml/2006/main">
-  <p:cSld>
-    <p:spTree>
-      <p:nvGrpSpPr>
-        <p:cNvPr id="1" name=""/>
-        <p:cNvGrpSpPr/>
-        <p:nvPr/>
-      </p:nvGrpSpPr>
-      <p:grpSpPr>
-        <a:xfrm>
-          <a:off x="0" y="0"/>
-          <a:ext cx="0" cy="0"/>
-          <a:chOff x="0" y="0"/>
-          <a:chExt cx="0" cy="0"/>
-        </a:xfrm>
-      </p:grpSpPr>
-      <p:sp>
-        <p:nvSpPr>
-          <p:cNvPr id="2" name="Title 1"/>
-          <p:cNvSpPr>
-            <a:spLocks noGrp="1"/>
-          </p:cNvSpPr>
-          <p:nvPr>
-            <p:ph type="title"/>
-          </p:nvPr>
-        </p:nvSpPr>
-        <p:spPr/>
-        <p:txBody>
-          <a:bodyPr/>
-          <a:lstStyle/>
-          <a:p>
-            <a:r>
-              <a:rPr lang="en-US" dirty="0"/>
               <a:t>Resources</a:t>
             </a:r>
           </a:p>
@@ -20787,7 +20718,7 @@
 </p:sld>
 </file>
 
-<file path=ppt/slides/slide14.xml><?xml version="1.0" encoding="utf-8"?>
+<file path=ppt/slides/slide13.xml><?xml version="1.0" encoding="utf-8"?>
 <p:sld xmlns:a="http://schemas.openxmlformats.org/drawingml/2006/main" xmlns:r="http://schemas.openxmlformats.org/officeDocument/2006/relationships" xmlns:p="http://schemas.openxmlformats.org/presentationml/2006/main">
   <p:cSld>
     <p:spTree>
@@ -21233,7 +21164,7 @@
           <a:graphicData uri="http://schemas.openxmlformats.org/presentationml/2006/ole">
             <mc:AlternateContent xmlns:mc="http://schemas.openxmlformats.org/markup-compatibility/2006">
               <mc:Choice xmlns:v="urn:schemas-microsoft-com:vml" Requires="v">
-                <p:oleObj spid="_x0000_s1118" r:id="rId3" imgW="3790950" imgH="2914650" progId="">
+                <p:oleObj spid="_x0000_s1122" r:id="rId3" imgW="3790950" imgH="2914650" progId="">
                   <p:embed/>
                 </p:oleObj>
               </mc:Choice>
@@ -21682,10 +21613,9 @@
               <a:t>Labs: </a:t>
             </a:r>
             <a:r>
-              <a:rPr lang="zh-CN" altLang="en-US" dirty="0"/>
-              <a:t>？</a:t>
+              <a:rPr lang="en-US" altLang="zh-CN" dirty="0"/>
+              <a:t>Saturday afternoon, Week 5, 8 and 11</a:t>
             </a:r>
-            <a:endParaRPr lang="en-US" altLang="zh-CN" dirty="0"/>
           </a:p>
           <a:p>
             <a:pPr lvl="1">
@@ -21694,12 +21624,8 @@
               </a:buClr>
             </a:pPr>
             <a:r>
-              <a:rPr lang="en-US" altLang="zh-CN" dirty="0"/>
-              <a:t>?Friday</a:t>
-            </a:r>
-            <a:r>
               <a:rPr lang="en-US" dirty="0"/>
-              <a:t> Evening: B-Wing room B-303, Building of CS</a:t>
+              <a:t>B-Wing room B-303, Building of CS</a:t>
             </a:r>
           </a:p>
           <a:p>
@@ -23605,40 +23531,9 @@
       </p:grpSpPr>
       <p:sp>
         <p:nvSpPr>
-          <p:cNvPr id="4" name="灯片编号占位符 5"/>
+          <p:cNvPr id="2" name="Title 1"/>
           <p:cNvSpPr>
             <a:spLocks noGrp="1"/>
-          </p:cNvSpPr>
-          <p:nvPr>
-            <p:ph type="sldNum" sz="quarter" idx="12"/>
-          </p:nvPr>
-        </p:nvSpPr>
-        <p:spPr>
-          <a:xfrm>
-            <a:off x="10437091" y="519446"/>
-            <a:ext cx="683339" cy="365125"/>
-          </a:xfrm>
-        </p:spPr>
-        <p:txBody>
-          <a:bodyPr/>
-          <a:lstStyle/>
-          <a:p>
-            <a:pPr>
-              <a:defRPr/>
-            </a:pPr>
-            <a:fld id="{B18F26D4-EC69-47C4-AAE8-2B8CBD911E17}" type="slidenum">
-              <a:rPr lang="zh-CN" altLang="en-US"/>
-              <a:t>8</a:t>
-            </a:fld>
-            <a:endParaRPr lang="en-US" altLang="zh-CN"/>
-          </a:p>
-        </p:txBody>
-      </p:sp>
-      <p:sp>
-        <p:nvSpPr>
-          <p:cNvPr id="29698" name="Rectangle 2"/>
-          <p:cNvSpPr>
-            <a:spLocks noGrp="1" noRot="1" noChangeArrowheads="1"/>
           </p:cNvSpPr>
           <p:nvPr>
             <p:ph type="title"/>
@@ -23649,277 +23544,48 @@
           <a:bodyPr/>
           <a:lstStyle/>
           <a:p>
-            <a:pPr eaLnBrk="1" hangingPunct="1"/>
             <a:r>
-              <a:rPr lang="zh-CN" altLang="en-US" sz="6500" dirty="0">
-                <a:solidFill>
-                  <a:schemeClr val="accent2"/>
-                </a:solidFill>
-                <a:ea typeface="华文行楷" panose="02010800040101010101" pitchFamily="2" charset="-122"/>
-              </a:rPr>
-              <a:t>上机练习作业</a:t>
+              <a:rPr lang="en-US" dirty="0"/>
+              <a:t>Required Materials</a:t>
             </a:r>
           </a:p>
         </p:txBody>
       </p:sp>
-      <p:sp>
-        <p:nvSpPr>
-          <p:cNvPr id="20484" name="Rectangle 6"/>
-          <p:cNvSpPr>
-            <a:spLocks noGrp="1" noRot="1" noChangeArrowheads="1"/>
-          </p:cNvSpPr>
+      <p:graphicFrame>
+        <p:nvGraphicFramePr>
+          <p:cNvPr id="4" name="Content Placeholder 3"/>
+          <p:cNvGraphicFramePr>
+            <a:graphicFrameLocks noGrp="1"/>
+          </p:cNvGraphicFramePr>
           <p:nvPr>
-            <p:ph type="body" idx="1"/>
+            <p:ph idx="1"/>
+            <p:extLst>
+              <p:ext uri="{D42A27DB-BD31-4B8C-83A1-F6EECF244321}">
+                <p14:modId xmlns:p14="http://schemas.microsoft.com/office/powerpoint/2010/main" val="797049738"/>
+              </p:ext>
+            </p:extLst>
           </p:nvPr>
-        </p:nvSpPr>
-        <p:spPr>
-          <a:xfrm>
-            <a:off x="2218268" y="2312989"/>
-            <a:ext cx="7219757" cy="3310571"/>
-          </a:xfrm>
-        </p:spPr>
-        <p:txBody>
-          <a:bodyPr>
-            <a:normAutofit fontScale="77500" lnSpcReduction="20000"/>
-          </a:bodyPr>
-          <a:lstStyle/>
-          <a:p>
-            <a:pPr marL="0" indent="0" eaLnBrk="1" hangingPunct="1">
-              <a:buNone/>
-            </a:pPr>
-            <a:r>
-              <a:rPr lang="zh-CN" altLang="en-US" sz="4400" dirty="0">
-                <a:latin typeface="微软雅黑" panose="020B0503020204020204" pitchFamily="34" charset="-122"/>
-                <a:ea typeface="微软雅黑" panose="020B0503020204020204" pitchFamily="34" charset="-122"/>
-              </a:rPr>
-              <a:t>采用信号量机制实现消费者与生产者的线程同步</a:t>
-            </a:r>
-            <a:endParaRPr lang="en-US" altLang="zh-CN" sz="4400" dirty="0">
-              <a:latin typeface="微软雅黑" panose="020B0503020204020204" pitchFamily="34" charset="-122"/>
-              <a:ea typeface="微软雅黑" panose="020B0503020204020204" pitchFamily="34" charset="-122"/>
-            </a:endParaRPr>
-          </a:p>
-          <a:p>
-            <a:pPr eaLnBrk="1" hangingPunct="1"/>
-            <a:r>
-              <a:rPr lang="en-US" altLang="zh-CN" sz="4400" dirty="0">
-                <a:latin typeface="微软雅黑" panose="020B0503020204020204" pitchFamily="34" charset="-122"/>
-                <a:ea typeface="微软雅黑" panose="020B0503020204020204" pitchFamily="34" charset="-122"/>
-              </a:rPr>
-              <a:t> 1</a:t>
-            </a:r>
-            <a:r>
-              <a:rPr lang="zh-CN" altLang="en-US" sz="4400" dirty="0">
-                <a:latin typeface="微软雅黑" panose="020B0503020204020204" pitchFamily="34" charset="-122"/>
-                <a:ea typeface="微软雅黑" panose="020B0503020204020204" pitchFamily="34" charset="-122"/>
-              </a:rPr>
-              <a:t>个生产者，</a:t>
-            </a:r>
-            <a:r>
-              <a:rPr lang="en-US" altLang="zh-CN" sz="4400" dirty="0">
-                <a:latin typeface="微软雅黑" panose="020B0503020204020204" pitchFamily="34" charset="-122"/>
-                <a:ea typeface="微软雅黑" panose="020B0503020204020204" pitchFamily="34" charset="-122"/>
-              </a:rPr>
-              <a:t>1</a:t>
-            </a:r>
-            <a:r>
-              <a:rPr lang="zh-CN" altLang="en-US" sz="4400" dirty="0">
-                <a:latin typeface="微软雅黑" panose="020B0503020204020204" pitchFamily="34" charset="-122"/>
-                <a:ea typeface="微软雅黑" panose="020B0503020204020204" pitchFamily="34" charset="-122"/>
-              </a:rPr>
-              <a:t>个消费者</a:t>
-            </a:r>
-          </a:p>
-          <a:p>
-            <a:r>
-              <a:rPr lang="zh-CN" altLang="en-US" sz="4400" dirty="0">
-                <a:latin typeface="微软雅黑" panose="020B0503020204020204" pitchFamily="34" charset="-122"/>
-                <a:ea typeface="微软雅黑" panose="020B0503020204020204" pitchFamily="34" charset="-122"/>
-              </a:rPr>
-              <a:t> </a:t>
-            </a:r>
-            <a:r>
-              <a:rPr lang="en-US" altLang="zh-CN" sz="4400" dirty="0"/>
-              <a:t>1</a:t>
-            </a:r>
-            <a:r>
-              <a:rPr lang="zh-CN" altLang="en-US" sz="4400" dirty="0"/>
-              <a:t>个生产者，多个消费者</a:t>
-            </a:r>
-            <a:endParaRPr lang="en-US" altLang="zh-CN" sz="4400" dirty="0"/>
-          </a:p>
-          <a:p>
-            <a:r>
-              <a:rPr lang="en-US" altLang="zh-CN" sz="4400" dirty="0"/>
-              <a:t> </a:t>
-            </a:r>
-            <a:r>
-              <a:rPr lang="zh-CN" altLang="en-US" sz="4400" dirty="0"/>
-              <a:t>多个生产者，</a:t>
-            </a:r>
-            <a:r>
-              <a:rPr lang="en-US" altLang="zh-CN" sz="4400" dirty="0"/>
-              <a:t>1</a:t>
-            </a:r>
-            <a:r>
-              <a:rPr lang="zh-CN" altLang="en-US" sz="4400" dirty="0"/>
-              <a:t>个消费者</a:t>
-            </a:r>
-            <a:endParaRPr lang="en-US" altLang="zh-CN" sz="4400" dirty="0"/>
-          </a:p>
-          <a:p>
-            <a:r>
-              <a:rPr lang="en-US" altLang="zh-CN" sz="4400" dirty="0"/>
-              <a:t> </a:t>
-            </a:r>
-            <a:r>
-              <a:rPr lang="zh-CN" altLang="en-US" sz="4400" dirty="0"/>
-              <a:t>多个生产者，多个消费者</a:t>
-            </a:r>
-            <a:endParaRPr lang="zh-CN" altLang="en-US" sz="4400" dirty="0">
-              <a:latin typeface="微软雅黑" panose="020B0503020204020204" pitchFamily="34" charset="-122"/>
-              <a:ea typeface="微软雅黑" panose="020B0503020204020204" pitchFamily="34" charset="-122"/>
-            </a:endParaRPr>
-          </a:p>
-        </p:txBody>
-      </p:sp>
+        </p:nvGraphicFramePr>
+        <p:xfrm>
+          <a:off x="1103313" y="2052638"/>
+          <a:ext cx="8947150" cy="4195762"/>
+        </p:xfrm>
+        <a:graphic>
+          <a:graphicData uri="http://schemas.openxmlformats.org/drawingml/2006/diagram">
+            <dgm:relIds xmlns:dgm="http://schemas.openxmlformats.org/drawingml/2006/diagram" xmlns:r="http://schemas.openxmlformats.org/officeDocument/2006/relationships" r:dm="rId2" r:lo="rId3" r:qs="rId4" r:cs="rId5"/>
+          </a:graphicData>
+        </a:graphic>
+      </p:graphicFrame>
     </p:spTree>
     <p:extLst>
       <p:ext uri="{BB962C8B-B14F-4D97-AF65-F5344CB8AC3E}">
-        <p14:creationId xmlns:p14="http://schemas.microsoft.com/office/powerpoint/2010/main" val="3785645991"/>
+        <p14:creationId xmlns:p14="http://schemas.microsoft.com/office/powerpoint/2010/main" val="2164597245"/>
       </p:ext>
     </p:extLst>
   </p:cSld>
   <p:clrMapOvr>
     <a:masterClrMapping/>
   </p:clrMapOvr>
-  <p:timing>
-    <p:tnLst>
-      <p:par>
-        <p:cTn id="1" dur="indefinite" restart="never" nodeType="tmRoot">
-          <p:childTnLst>
-            <p:seq concurrent="1" nextAc="seek">
-              <p:cTn id="2" dur="indefinite" nodeType="mainSeq">
-                <p:childTnLst>
-                  <p:par>
-                    <p:cTn id="3" fill="hold">
-                      <p:stCondLst>
-                        <p:cond delay="indefinite"/>
-                        <p:cond evt="onBegin" delay="0">
-                          <p:tn val="2"/>
-                        </p:cond>
-                      </p:stCondLst>
-                      <p:childTnLst>
-                        <p:par>
-                          <p:cTn id="4" fill="hold">
-                            <p:stCondLst>
-                              <p:cond delay="0"/>
-                            </p:stCondLst>
-                            <p:childTnLst>
-                              <p:par>
-                                <p:cTn id="5" presetID="2" presetClass="entr" presetSubtype="4" fill="hold" grpId="0" nodeType="afterEffect">
-                                  <p:stCondLst>
-                                    <p:cond delay="0"/>
-                                  </p:stCondLst>
-                                  <p:childTnLst>
-                                    <p:set>
-                                      <p:cBhvr>
-                                        <p:cTn id="6" dur="1" fill="hold">
-                                          <p:stCondLst>
-                                            <p:cond delay="0"/>
-                                          </p:stCondLst>
-                                        </p:cTn>
-                                        <p:tgtEl>
-                                          <p:spTgt spid="29698"/>
-                                        </p:tgtEl>
-                                        <p:attrNameLst>
-                                          <p:attrName>style.visibility</p:attrName>
-                                        </p:attrNameLst>
-                                      </p:cBhvr>
-                                      <p:to>
-                                        <p:strVal val="visible"/>
-                                      </p:to>
-                                    </p:set>
-                                    <p:anim calcmode="lin" valueType="num">
-                                      <p:cBhvr additive="base">
-                                        <p:cTn id="7" dur="500" fill="hold"/>
-                                        <p:tgtEl>
-                                          <p:spTgt spid="29698"/>
-                                        </p:tgtEl>
-                                        <p:attrNameLst>
-                                          <p:attrName>ppt_x</p:attrName>
-                                        </p:attrNameLst>
-                                      </p:cBhvr>
-                                      <p:tavLst>
-                                        <p:tav tm="0">
-                                          <p:val>
-                                            <p:strVal val="#ppt_x"/>
-                                          </p:val>
-                                        </p:tav>
-                                        <p:tav tm="100000">
-                                          <p:val>
-                                            <p:strVal val="#ppt_x"/>
-                                          </p:val>
-                                        </p:tav>
-                                      </p:tavLst>
-                                    </p:anim>
-                                    <p:anim calcmode="lin" valueType="num">
-                                      <p:cBhvr additive="base">
-                                        <p:cTn id="8" dur="500" fill="hold"/>
-                                        <p:tgtEl>
-                                          <p:spTgt spid="29698"/>
-                                        </p:tgtEl>
-                                        <p:attrNameLst>
-                                          <p:attrName>ppt_y</p:attrName>
-                                        </p:attrNameLst>
-                                      </p:cBhvr>
-                                      <p:tavLst>
-                                        <p:tav tm="0">
-                                          <p:val>
-                                            <p:strVal val="1+#ppt_h/2"/>
-                                          </p:val>
-                                        </p:tav>
-                                        <p:tav tm="100000">
-                                          <p:val>
-                                            <p:strVal val="#ppt_y"/>
-                                          </p:val>
-                                        </p:tav>
-                                      </p:tavLst>
-                                    </p:anim>
-                                  </p:childTnLst>
-                                </p:cTn>
-                              </p:par>
-                            </p:childTnLst>
-                          </p:cTn>
-                        </p:par>
-                      </p:childTnLst>
-                    </p:cTn>
-                  </p:par>
-                </p:childTnLst>
-              </p:cTn>
-              <p:prevCondLst>
-                <p:cond evt="onPrev" delay="0">
-                  <p:tgtEl>
-                    <p:sldTgt/>
-                  </p:tgtEl>
-                </p:cond>
-              </p:prevCondLst>
-              <p:nextCondLst>
-                <p:cond evt="onNext" delay="0">
-                  <p:tgtEl>
-                    <p:sldTgt/>
-                  </p:tgtEl>
-                </p:cond>
-              </p:nextCondLst>
-            </p:seq>
-          </p:childTnLst>
-        </p:cTn>
-      </p:par>
-    </p:tnLst>
-    <p:bldLst>
-      <p:bldP spid="29698" grpId="0"/>
-    </p:bldLst>
-  </p:timing>
 </p:sld>
 </file>
 
@@ -23957,40 +23623,96 @@
           <a:p>
             <a:r>
               <a:rPr lang="en-US" dirty="0"/>
-              <a:t>Required Materials</a:t>
+              <a:t>Instructional Methods</a:t>
             </a:r>
           </a:p>
         </p:txBody>
       </p:sp>
-      <p:graphicFrame>
-        <p:nvGraphicFramePr>
-          <p:cNvPr id="4" name="Content Placeholder 3"/>
-          <p:cNvGraphicFramePr>
-            <a:graphicFrameLocks noGrp="1"/>
-          </p:cNvGraphicFramePr>
+      <p:sp>
+        <p:nvSpPr>
+          <p:cNvPr id="3" name="Content Placeholder 2"/>
+          <p:cNvSpPr>
+            <a:spLocks noGrp="1"/>
+          </p:cNvSpPr>
           <p:nvPr>
             <p:ph idx="1"/>
-            <p:extLst>
-              <p:ext uri="{D42A27DB-BD31-4B8C-83A1-F6EECF244321}">
-                <p14:modId xmlns:p14="http://schemas.microsoft.com/office/powerpoint/2010/main" val="797049738"/>
-              </p:ext>
-            </p:extLst>
           </p:nvPr>
-        </p:nvGraphicFramePr>
-        <p:xfrm>
-          <a:off x="1103313" y="2052638"/>
-          <a:ext cx="8947150" cy="4195762"/>
-        </p:xfrm>
-        <a:graphic>
-          <a:graphicData uri="http://schemas.openxmlformats.org/drawingml/2006/diagram">
-            <dgm:relIds xmlns:dgm="http://schemas.openxmlformats.org/drawingml/2006/diagram" xmlns:r="http://schemas.openxmlformats.org/officeDocument/2006/relationships" r:dm="rId2" r:lo="rId3" r:qs="rId4" r:cs="rId5"/>
-          </a:graphicData>
-        </a:graphic>
-      </p:graphicFrame>
+        </p:nvSpPr>
+        <p:spPr/>
+        <p:txBody>
+          <a:bodyPr/>
+          <a:lstStyle/>
+          <a:p>
+            <a:pPr marL="0" indent="0">
+              <a:buNone/>
+            </a:pPr>
+            <a:r>
+              <a:rPr lang="en-US" altLang="zh-CN" dirty="0"/>
+              <a:t>Coding, coding, n coding, …</a:t>
+            </a:r>
+            <a:endParaRPr lang="en-US" dirty="0"/>
+          </a:p>
+          <a:p>
+            <a:pPr lvl="1"/>
+            <a:r>
+              <a:rPr lang="en-US" dirty="0"/>
+              <a:t>Lectures</a:t>
+            </a:r>
+          </a:p>
+          <a:p>
+            <a:pPr lvl="1"/>
+            <a:r>
+              <a:rPr lang="en-US" altLang="zh-CN" dirty="0"/>
+              <a:t>Online interaction: </a:t>
+            </a:r>
+            <a:r>
+              <a:rPr lang="en-US" altLang="zh-CN" dirty="0" err="1"/>
+              <a:t>github</a:t>
+            </a:r>
+            <a:r>
+              <a:rPr lang="en-US" altLang="zh-CN" dirty="0"/>
+              <a:t> n </a:t>
+            </a:r>
+            <a:r>
+              <a:rPr lang="en-US" altLang="zh-CN" dirty="0" err="1"/>
+              <a:t>gitee</a:t>
+            </a:r>
+            <a:endParaRPr lang="en-US" dirty="0"/>
+          </a:p>
+          <a:p>
+            <a:pPr lvl="1"/>
+            <a:r>
+              <a:rPr lang="en-US" dirty="0"/>
+              <a:t>Demonstrations</a:t>
+            </a:r>
+          </a:p>
+          <a:p>
+            <a:pPr lvl="1"/>
+            <a:r>
+              <a:rPr lang="en-US" dirty="0"/>
+              <a:t>Class discussion/Virtual discussions</a:t>
+            </a:r>
+          </a:p>
+          <a:p>
+            <a:pPr lvl="1"/>
+            <a:r>
+              <a:rPr lang="en-US" dirty="0"/>
+              <a:t>Individual / group projects</a:t>
+            </a:r>
+          </a:p>
+          <a:p>
+            <a:pPr lvl="1"/>
+            <a:r>
+              <a:rPr lang="en-US" dirty="0"/>
+              <a:t>Labs</a:t>
+            </a:r>
+          </a:p>
+        </p:txBody>
+      </p:sp>
     </p:spTree>
     <p:extLst>
       <p:ext uri="{BB962C8B-B14F-4D97-AF65-F5344CB8AC3E}">
-        <p14:creationId xmlns:p14="http://schemas.microsoft.com/office/powerpoint/2010/main" val="2164597245"/>
+        <p14:creationId xmlns:p14="http://schemas.microsoft.com/office/powerpoint/2010/main" val="423809124"/>
       </p:ext>
     </p:extLst>
   </p:cSld>
@@ -24808,6 +24530,21 @@
 </file>
 
 <file path=customXml/item1.xml><?xml version="1.0" encoding="utf-8"?>
+<p:properties xmlns:p="http://schemas.microsoft.com/office/2006/metadata/properties" xmlns:xsi="http://www.w3.org/2001/XMLSchema-instance" xmlns:pc="http://schemas.microsoft.com/office/infopath/2007/PartnerControls">
+  <documentManagement/>
+</p:properties>
+</file>
+
+<file path=customXml/item2.xml><?xml version="1.0" encoding="utf-8"?>
+<?mso-contentType ?>
+<FormTemplates xmlns="http://schemas.microsoft.com/sharepoint/v3/contenttype/forms">
+  <Display>DocumentLibraryForm</Display>
+  <Edit>DocumentLibraryForm</Edit>
+  <New>DocumentLibraryForm</New>
+</FormTemplates>
+</file>
+
+<file path=customXml/item3.xml><?xml version="1.0" encoding="utf-8"?>
 <ct:contentTypeSchema xmlns:ct="http://schemas.microsoft.com/office/2006/metadata/contentType" xmlns:ma="http://schemas.microsoft.com/office/2006/metadata/properties/metaAttributes" ct:_="" ma:_="" ma:contentTypeName="Document" ma:contentTypeID="0x0101007C1D5F340F01F94FA2FD29A5E6DC872E" ma:contentTypeVersion="0" ma:contentTypeDescription="Create a new document." ma:contentTypeScope="" ma:versionID="f583bd66513a361a730282b6a794e352">
   <xsd:schema xmlns:xsd="http://www.w3.org/2001/XMLSchema" xmlns:xs="http://www.w3.org/2001/XMLSchema" xmlns:p="http://schemas.microsoft.com/office/2006/metadata/properties" targetNamespace="http://schemas.microsoft.com/office/2006/metadata/properties" ma:root="true" ma:fieldsID="6841151cf538834e171094e4faaf2d73">
     <xsd:element name="properties">
@@ -24921,32 +24658,10 @@
 </ct:contentTypeSchema>
 </file>
 
-<file path=customXml/item2.xml><?xml version="1.0" encoding="utf-8"?>
-<?mso-contentType ?>
-<FormTemplates xmlns="http://schemas.microsoft.com/sharepoint/v3/contenttype/forms">
-  <Display>DocumentLibraryForm</Display>
-  <Edit>DocumentLibraryForm</Edit>
-  <New>DocumentLibraryForm</New>
-</FormTemplates>
-</file>
-
-<file path=customXml/item3.xml><?xml version="1.0" encoding="utf-8"?>
-<p:properties xmlns:p="http://schemas.microsoft.com/office/2006/metadata/properties" xmlns:xsi="http://www.w3.org/2001/XMLSchema-instance" xmlns:pc="http://schemas.microsoft.com/office/infopath/2007/PartnerControls">
-  <documentManagement/>
-</p:properties>
-</file>
-
 <file path=customXml/itemProps1.xml><?xml version="1.0" encoding="utf-8"?>
-<ds:datastoreItem xmlns:ds="http://schemas.openxmlformats.org/officeDocument/2006/customXml" ds:itemID="{D1FC5151-73AF-4992-B300-816A43C7C293}">
+<ds:datastoreItem xmlns:ds="http://schemas.openxmlformats.org/officeDocument/2006/customXml" ds:itemID="{CA7F0F3B-1D69-4071-934C-7373F1C638FD}">
   <ds:schemaRefs>
-    <ds:schemaRef ds:uri="http://schemas.microsoft.com/office/2006/metadata/contentType"/>
-    <ds:schemaRef ds:uri="http://schemas.microsoft.com/office/2006/metadata/properties/metaAttributes"/>
-    <ds:schemaRef ds:uri="http://www.w3.org/2001/XMLSchema"/>
     <ds:schemaRef ds:uri="http://schemas.microsoft.com/office/2006/metadata/properties"/>
-    <ds:schemaRef ds:uri="http://schemas.openxmlformats.org/package/2006/metadata/core-properties"/>
-    <ds:schemaRef ds:uri="http://purl.org/dc/elements/1.1/"/>
-    <ds:schemaRef ds:uri="http://purl.org/dc/terms/"/>
-    <ds:schemaRef ds:uri="http://schemas.microsoft.com/internal/obd"/>
     <ds:schemaRef ds:uri="http://schemas.microsoft.com/office/infopath/2007/PartnerControls"/>
   </ds:schemaRefs>
 </ds:datastoreItem>
@@ -24961,9 +24676,16 @@
 </file>
 
 <file path=customXml/itemProps3.xml><?xml version="1.0" encoding="utf-8"?>
-<ds:datastoreItem xmlns:ds="http://schemas.openxmlformats.org/officeDocument/2006/customXml" ds:itemID="{CA7F0F3B-1D69-4071-934C-7373F1C638FD}">
+<ds:datastoreItem xmlns:ds="http://schemas.openxmlformats.org/officeDocument/2006/customXml" ds:itemID="{D1FC5151-73AF-4992-B300-816A43C7C293}">
   <ds:schemaRefs>
+    <ds:schemaRef ds:uri="http://schemas.microsoft.com/office/2006/metadata/contentType"/>
+    <ds:schemaRef ds:uri="http://schemas.microsoft.com/office/2006/metadata/properties/metaAttributes"/>
+    <ds:schemaRef ds:uri="http://www.w3.org/2001/XMLSchema"/>
     <ds:schemaRef ds:uri="http://schemas.microsoft.com/office/2006/metadata/properties"/>
+    <ds:schemaRef ds:uri="http://schemas.openxmlformats.org/package/2006/metadata/core-properties"/>
+    <ds:schemaRef ds:uri="http://purl.org/dc/elements/1.1/"/>
+    <ds:schemaRef ds:uri="http://purl.org/dc/terms/"/>
+    <ds:schemaRef ds:uri="http://schemas.microsoft.com/internal/obd"/>
     <ds:schemaRef ds:uri="http://schemas.microsoft.com/office/infopath/2007/PartnerControls"/>
   </ds:schemaRefs>
 </ds:datastoreItem>
